--- a/docs/images/presentation/presentation_rsnaped_colab.pptx
+++ b/docs/images/presentation/presentation_rsnaped_colab.pptx
@@ -201,7 +201,7 @@
           <a:p>
             <a:fld id="{D877E2E2-D89C-4388-AB8B-4EE4271A4849}" type="datetimeFigureOut">
               <a:rPr lang="en-US"/>
-              <a:t>8/8/22</a:t>
+              <a:t>8/15/22</a:t>
             </a:fld>
             <a:endParaRPr lang="en-US"/>
           </a:p>
@@ -973,7 +973,7 @@
           <a:p>
             <a:fld id="{538405F8-3ADC-2F4C-8EFD-AD3C266ABE37}" type="datetimeFigureOut">
               <a:rPr lang="en-US" smtClean="0"/>
-              <a:t>8/8/22</a:t>
+              <a:t>8/15/22</a:t>
             </a:fld>
             <a:endParaRPr lang="en-US"/>
           </a:p>
@@ -1307,7 +1307,7 @@
           <a:p>
             <a:fld id="{538405F8-3ADC-2F4C-8EFD-AD3C266ABE37}" type="datetimeFigureOut">
               <a:rPr lang="en-US" smtClean="0"/>
-              <a:t>8/8/22</a:t>
+              <a:t>8/15/22</a:t>
             </a:fld>
             <a:endParaRPr lang="en-US"/>
           </a:p>
@@ -1585,7 +1585,7 @@
           <a:p>
             <a:fld id="{538405F8-3ADC-2F4C-8EFD-AD3C266ABE37}" type="datetimeFigureOut">
               <a:rPr lang="en-US" smtClean="0"/>
-              <a:t>8/8/22</a:t>
+              <a:t>8/15/22</a:t>
             </a:fld>
             <a:endParaRPr lang="en-US"/>
           </a:p>
@@ -2153,7 +2153,7 @@
           <a:p>
             <a:fld id="{538405F8-3ADC-2F4C-8EFD-AD3C266ABE37}" type="datetimeFigureOut">
               <a:rPr lang="en-US" smtClean="0"/>
-              <a:t>8/8/22</a:t>
+              <a:t>8/15/22</a:t>
             </a:fld>
             <a:endParaRPr lang="en-US"/>
           </a:p>
@@ -2431,7 +2431,7 @@
           <a:p>
             <a:fld id="{538405F8-3ADC-2F4C-8EFD-AD3C266ABE37}" type="datetimeFigureOut">
               <a:rPr lang="en-US" smtClean="0"/>
-              <a:t>8/8/22</a:t>
+              <a:t>8/15/22</a:t>
             </a:fld>
             <a:endParaRPr lang="en-US"/>
           </a:p>
@@ -2993,7 +2993,7 @@
           <a:p>
             <a:fld id="{538405F8-3ADC-2F4C-8EFD-AD3C266ABE37}" type="datetimeFigureOut">
               <a:rPr lang="en-US" smtClean="0"/>
-              <a:t>8/8/22</a:t>
+              <a:t>8/15/22</a:t>
             </a:fld>
             <a:endParaRPr lang="en-US"/>
           </a:p>
@@ -3320,7 +3320,7 @@
           <a:p>
             <a:fld id="{538405F8-3ADC-2F4C-8EFD-AD3C266ABE37}" type="datetimeFigureOut">
               <a:rPr lang="en-US" smtClean="0"/>
-              <a:t>8/8/22</a:t>
+              <a:t>8/15/22</a:t>
             </a:fld>
             <a:endParaRPr lang="en-US"/>
           </a:p>
@@ -3497,7 +3497,7 @@
           <a:p>
             <a:fld id="{538405F8-3ADC-2F4C-8EFD-AD3C266ABE37}" type="datetimeFigureOut">
               <a:rPr lang="en-US" smtClean="0"/>
-              <a:t>8/8/22</a:t>
+              <a:t>8/15/22</a:t>
             </a:fld>
             <a:endParaRPr lang="en-US"/>
           </a:p>
@@ -3735,7 +3735,7 @@
           <a:p>
             <a:fld id="{538405F8-3ADC-2F4C-8EFD-AD3C266ABE37}" type="datetimeFigureOut">
               <a:rPr lang="en-US" smtClean="0"/>
-              <a:t>8/8/22</a:t>
+              <a:t>8/15/22</a:t>
             </a:fld>
             <a:endParaRPr lang="en-US"/>
           </a:p>
@@ -3935,7 +3935,7 @@
           <a:p>
             <a:fld id="{538405F8-3ADC-2F4C-8EFD-AD3C266ABE37}" type="datetimeFigureOut">
               <a:rPr lang="en-US" smtClean="0"/>
-              <a:t>8/8/22</a:t>
+              <a:t>8/15/22</a:t>
             </a:fld>
             <a:endParaRPr lang="en-US"/>
           </a:p>
@@ -4211,7 +4211,7 @@
           <a:p>
             <a:fld id="{538405F8-3ADC-2F4C-8EFD-AD3C266ABE37}" type="datetimeFigureOut">
               <a:rPr lang="en-US" smtClean="0"/>
-              <a:t>8/8/22</a:t>
+              <a:t>8/15/22</a:t>
             </a:fld>
             <a:endParaRPr lang="en-US"/>
           </a:p>
@@ -4477,7 +4477,7 @@
           <a:p>
             <a:fld id="{538405F8-3ADC-2F4C-8EFD-AD3C266ABE37}" type="datetimeFigureOut">
               <a:rPr lang="en-US" smtClean="0"/>
-              <a:t>8/8/22</a:t>
+              <a:t>8/15/22</a:t>
             </a:fld>
             <a:endParaRPr lang="en-US"/>
           </a:p>
@@ -4851,7 +4851,7 @@
           <a:p>
             <a:fld id="{538405F8-3ADC-2F4C-8EFD-AD3C266ABE37}" type="datetimeFigureOut">
               <a:rPr lang="en-US" smtClean="0"/>
-              <a:t>8/8/22</a:t>
+              <a:t>8/15/22</a:t>
             </a:fld>
             <a:endParaRPr lang="en-US"/>
           </a:p>
@@ -4999,7 +4999,7 @@
           <a:p>
             <a:fld id="{538405F8-3ADC-2F4C-8EFD-AD3C266ABE37}" type="datetimeFigureOut">
               <a:rPr lang="en-US" smtClean="0"/>
-              <a:t>8/8/22</a:t>
+              <a:t>8/15/22</a:t>
             </a:fld>
             <a:endParaRPr lang="en-US"/>
           </a:p>
@@ -5124,7 +5124,7 @@
           <a:p>
             <a:fld id="{538405F8-3ADC-2F4C-8EFD-AD3C266ABE37}" type="datetimeFigureOut">
               <a:rPr lang="en-US" smtClean="0"/>
-              <a:t>8/8/22</a:t>
+              <a:t>8/15/22</a:t>
             </a:fld>
             <a:endParaRPr lang="en-US"/>
           </a:p>
@@ -5409,7 +5409,7 @@
           <a:p>
             <a:fld id="{538405F8-3ADC-2F4C-8EFD-AD3C266ABE37}" type="datetimeFigureOut">
               <a:rPr lang="en-US" smtClean="0"/>
-              <a:t>8/8/22</a:t>
+              <a:t>8/15/22</a:t>
             </a:fld>
             <a:endParaRPr lang="en-US"/>
           </a:p>
@@ -5733,7 +5733,7 @@
           <a:p>
             <a:fld id="{538405F8-3ADC-2F4C-8EFD-AD3C266ABE37}" type="datetimeFigureOut">
               <a:rPr lang="en-US" smtClean="0"/>
-              <a:t>8/8/22</a:t>
+              <a:t>8/15/22</a:t>
             </a:fld>
             <a:endParaRPr lang="en-US"/>
           </a:p>
@@ -5950,7 +5950,7 @@
           <a:p>
             <a:fld id="{538405F8-3ADC-2F4C-8EFD-AD3C266ABE37}" type="datetimeFigureOut">
               <a:rPr lang="en-US" smtClean="0"/>
-              <a:t>8/8/22</a:t>
+              <a:t>8/15/22</a:t>
             </a:fld>
             <a:endParaRPr lang="en-US"/>
           </a:p>
@@ -16720,7 +16720,7 @@
                 </a:solidFill>
                 <a:latin typeface="+mn-lt"/>
               </a:rPr>
-              <a:t>Background</a:t>
+              <a:t>Simulating cell background</a:t>
             </a:r>
           </a:p>
           <a:p>
@@ -17597,13 +17597,22 @@
               <a:buChar char="•"/>
             </a:pPr>
             <a:r>
+              <a:rPr lang="en-US" sz="2400">
+                <a:solidFill>
+                  <a:srgbClr val="FF0000"/>
+                </a:solidFill>
+                <a:latin typeface="+mn-lt"/>
+              </a:rPr>
+              <a:t>Simulating translation </a:t>
+            </a:r>
+            <a:r>
               <a:rPr lang="en-US" sz="2400" dirty="0">
                 <a:solidFill>
                   <a:srgbClr val="FF0000"/>
                 </a:solidFill>
                 <a:latin typeface="+mn-lt"/>
               </a:rPr>
-              <a:t>Translation spots</a:t>
+              <a:t>spots (Point Spread Function, PSF)</a:t>
             </a:r>
           </a:p>
           <a:p>
@@ -17677,7 +17686,7 @@
                 </a:solidFill>
                 <a:latin typeface="+mn-lt"/>
               </a:rPr>
-              <a:t>Spot movement</a:t>
+              <a:t>Simulating spot movement</a:t>
             </a:r>
           </a:p>
           <a:p>
